--- a/doc/HW2/CVE COP6616.pptx
+++ b/doc/HW2/CVE COP6616.pptx
@@ -8160,8 +8160,10 @@
               </a:spcAft>
             </a:pPr>
             <a:r>
-              <a:rPr lang="en-US" dirty="0"/>
-              <a:t>Devices need drivers to connect to O.S.</a:t>
+              <a:rPr lang="en-US" dirty="0">
+                <a:latin typeface="Arial Unicode MS"/>
+              </a:rPr>
+              <a:t>File which allows the driver for a device to be specified </a:t>
             </a:r>
           </a:p>
           <a:p>
@@ -8174,8 +8176,10 @@
               </a:spcAft>
             </a:pPr>
             <a:r>
-              <a:rPr lang="en-US" dirty="0"/>
-              <a:t>Drivers for these devices are need</a:t>
+              <a:rPr lang="en-US" dirty="0">
+                <a:latin typeface="Arial Unicode MS"/>
+              </a:rPr>
+              <a:t>Allows the driver for a device to be specified to override standard binding protocol</a:t>
             </a:r>
           </a:p>
           <a:p>
@@ -8188,22 +8192,32 @@
               </a:spcAft>
             </a:pPr>
             <a:r>
-              <a:rPr lang="en-US" dirty="0"/>
+              <a:rPr lang="en-US" dirty="0">
+                <a:latin typeface="Arial Unicode MS"/>
+              </a:rPr>
               <a:t>The </a:t>
             </a:r>
             <a:r>
-              <a:rPr lang="en-US" dirty="0" err="1"/>
+              <a:rPr lang="en-US" dirty="0" err="1">
+                <a:latin typeface="Arial Unicode MS"/>
+              </a:rPr>
               <a:t>driver_override</a:t>
             </a:r>
             <a:r>
-              <a:rPr lang="en-US" dirty="0"/>
+              <a:rPr lang="en-US" dirty="0">
+                <a:latin typeface="Arial Unicode MS"/>
+              </a:rPr>
               <a:t> field is implemented in struct </a:t>
             </a:r>
             <a:r>
-              <a:rPr lang="en-US" dirty="0" err="1"/>
+              <a:rPr lang="en-US" dirty="0" err="1">
+                <a:latin typeface="Arial Unicode MS"/>
+              </a:rPr>
               <a:t>platform_device</a:t>
             </a:r>
-            <a:endParaRPr lang="en-US" dirty="0"/>
+            <a:endParaRPr lang="en-US" dirty="0">
+              <a:latin typeface="Arial Unicode MS"/>
+            </a:endParaRPr>
           </a:p>
           <a:p>
             <a:pPr lvl="1">
@@ -8218,8 +8232,22 @@
               </a:spcAft>
             </a:pPr>
             <a:r>
-              <a:rPr lang="en-US" dirty="0"/>
-              <a:t>Allows the driver for a device to be specified to override standard binding protocol</a:t>
+              <a:rPr lang="en-US" dirty="0">
+                <a:latin typeface="Arial Unicode MS"/>
+              </a:rPr>
+              <a:t>Executed by writing a string to the </a:t>
+            </a:r>
+            <a:r>
+              <a:rPr lang="en-US" dirty="0" err="1">
+                <a:latin typeface="Arial Unicode MS"/>
+              </a:rPr>
+              <a:t>driver_override</a:t>
+            </a:r>
+            <a:r>
+              <a:rPr lang="en-US" dirty="0">
+                <a:latin typeface="Arial Unicode MS"/>
+              </a:rPr>
+              <a:t> file</a:t>
             </a:r>
           </a:p>
           <a:p>
@@ -8235,30 +8263,22 @@
               </a:spcAft>
             </a:pPr>
             <a:r>
-              <a:rPr lang="en-US" dirty="0"/>
-              <a:t>Executed by writing a string to the </a:t>
-            </a:r>
-            <a:r>
-              <a:rPr lang="en-US" dirty="0" err="1"/>
+              <a:rPr lang="en-US" dirty="0">
+                <a:latin typeface="Arial Unicode MS"/>
+              </a:rPr>
+              <a:t>When specified, only a driver w a name matching the value written to </a:t>
+            </a:r>
+            <a:r>
+              <a:rPr lang="en-US" dirty="0" err="1">
+                <a:latin typeface="Arial Unicode MS"/>
+              </a:rPr>
               <a:t>driver_override</a:t>
             </a:r>
             <a:r>
-              <a:rPr lang="en-US" dirty="0"/>
-              <a:t> file</a:t>
-            </a:r>
-          </a:p>
-          <a:p>
-            <a:pPr>
-              <a:lnSpc>
-                <a:spcPct val="100000"/>
-              </a:lnSpc>
-              <a:spcAft>
-                <a:spcPts val="600"/>
-              </a:spcAft>
-            </a:pPr>
-            <a:r>
-              <a:rPr lang="en-US" dirty="0"/>
-              <a:t>Two functions</a:t>
+              <a:rPr lang="en-US" dirty="0">
+                <a:latin typeface="Arial Unicode MS"/>
+              </a:rPr>
+              <a:t> will have an opportunity to bind to device</a:t>
             </a:r>
           </a:p>
           <a:p>
@@ -8274,18 +8294,27 @@
               </a:spcAft>
             </a:pPr>
             <a:r>
-              <a:rPr lang="en-US" dirty="0" err="1"/>
-              <a:t>Driver_override_store</a:t>
-            </a:r>
-            <a:r>
-              <a:rPr lang="en-US" dirty="0"/>
-              <a:t>():  write </a:t>
-            </a:r>
-            <a:r>
-              <a:rPr lang="en-US" dirty="0" err="1"/>
-              <a:t>driver_override</a:t>
-            </a:r>
-            <a:endParaRPr lang="en-US" dirty="0"/>
+              <a:rPr lang="en-US" dirty="0">
+                <a:latin typeface="Arial Unicode MS"/>
+              </a:rPr>
+              <a:t>Does not automatically unbind current driver or automatically load specified driver</a:t>
+            </a:r>
+          </a:p>
+          <a:p>
+            <a:pPr>
+              <a:lnSpc>
+                <a:spcPct val="100000"/>
+              </a:lnSpc>
+              <a:spcAft>
+                <a:spcPts val="600"/>
+              </a:spcAft>
+            </a:pPr>
+            <a:r>
+              <a:rPr lang="en-US" dirty="0">
+                <a:latin typeface="Arial Unicode MS"/>
+              </a:rPr>
+              <a:t>Two functions</a:t>
+            </a:r>
           </a:p>
           <a:p>
             <a:pPr lvl="1">
@@ -8300,18 +8329,60 @@
               </a:spcAft>
             </a:pPr>
             <a:r>
-              <a:rPr lang="en-US" dirty="0" err="1"/>
+              <a:rPr lang="en-US" dirty="0" err="1">
+                <a:latin typeface="Arial Unicode MS"/>
+              </a:rPr>
+              <a:t>Driver_override_store</a:t>
+            </a:r>
+            <a:r>
+              <a:rPr lang="en-US" dirty="0">
+                <a:latin typeface="Arial Unicode MS"/>
+              </a:rPr>
+              <a:t>():  write </a:t>
+            </a:r>
+            <a:r>
+              <a:rPr lang="en-US" dirty="0" err="1">
+                <a:latin typeface="Arial Unicode MS"/>
+              </a:rPr>
+              <a:t>driver_override</a:t>
+            </a:r>
+            <a:endParaRPr lang="en-US" dirty="0">
+              <a:latin typeface="Arial Unicode MS"/>
+            </a:endParaRPr>
+          </a:p>
+          <a:p>
+            <a:pPr lvl="1">
+              <a:lnSpc>
+                <a:spcPct val="100000"/>
+              </a:lnSpc>
+              <a:spcBef>
+                <a:spcPts val="0"/>
+              </a:spcBef>
+              <a:spcAft>
+                <a:spcPts val="600"/>
+              </a:spcAft>
+            </a:pPr>
+            <a:r>
+              <a:rPr lang="en-US" dirty="0" err="1">
+                <a:latin typeface="Arial Unicode MS"/>
+              </a:rPr>
               <a:t>Driver_override_show</a:t>
             </a:r>
             <a:r>
-              <a:rPr lang="en-US" dirty="0"/>
+              <a:rPr lang="en-US" dirty="0">
+                <a:latin typeface="Arial Unicode MS"/>
+              </a:rPr>
               <a:t>(): read </a:t>
             </a:r>
             <a:r>
-              <a:rPr lang="en-US" dirty="0" err="1"/>
+              <a:rPr lang="en-US" dirty="0" err="1">
+                <a:latin typeface="Arial Unicode MS"/>
+              </a:rPr>
               <a:t>driver_override</a:t>
             </a:r>
-            <a:endParaRPr lang="en-US" dirty="0"/>
+            <a:endParaRPr lang="en-US" dirty="0">
+              <a:latin typeface="Arial Unicode MS"/>
+            </a:endParaRPr>
           </a:p>
         </p:txBody>
       </p:sp>
